--- a/TAR UMT International Hackathon 2024 - perror(_520_);.pptx
+++ b/TAR UMT International Hackathon 2024 - perror(_520_);.pptx
@@ -5,7 +5,7 @@
     <p:sldMasterId id="2147483671" r:id="rId1"/>
   </p:sldMasterIdLst>
   <p:notesMasterIdLst>
-    <p:notesMasterId r:id="rId24"/>
+    <p:notesMasterId r:id="rId25"/>
   </p:notesMasterIdLst>
   <p:sldIdLst>
     <p:sldId id="256" r:id="rId2"/>
@@ -25,39 +25,52 @@
     <p:sldId id="270" r:id="rId16"/>
     <p:sldId id="271" r:id="rId17"/>
     <p:sldId id="272" r:id="rId18"/>
-    <p:sldId id="273" r:id="rId19"/>
-    <p:sldId id="274" r:id="rId20"/>
-    <p:sldId id="275" r:id="rId21"/>
-    <p:sldId id="276" r:id="rId22"/>
-    <p:sldId id="277" r:id="rId23"/>
+    <p:sldId id="278" r:id="rId19"/>
+    <p:sldId id="273" r:id="rId20"/>
+    <p:sldId id="274" r:id="rId21"/>
+    <p:sldId id="275" r:id="rId22"/>
+    <p:sldId id="276" r:id="rId23"/>
+    <p:sldId id="277" r:id="rId24"/>
   </p:sldIdLst>
   <p:sldSz cx="9144000" cy="5143500" type="screen16x9"/>
   <p:notesSz cx="6858000" cy="9144000"/>
   <p:embeddedFontLst>
     <p:embeddedFont>
       <p:font typeface="Anaheim" panose="020B0604020202020204" charset="0"/>
-      <p:regular r:id="rId25"/>
+      <p:regular r:id="rId26"/>
     </p:embeddedFont>
     <p:embeddedFont>
       <p:font typeface="Barlow" panose="00000500000000000000" pitchFamily="2" charset="0"/>
-      <p:regular r:id="rId26"/>
-      <p:bold r:id="rId27"/>
-      <p:italic r:id="rId28"/>
-      <p:boldItalic r:id="rId29"/>
+      <p:regular r:id="rId27"/>
+      <p:bold r:id="rId28"/>
+      <p:italic r:id="rId29"/>
+      <p:boldItalic r:id="rId30"/>
     </p:embeddedFont>
     <p:embeddedFont>
-      <p:font typeface="Barlow Condensed ExtraBold" panose="020F0502020204030204" pitchFamily="2" charset="0"/>
-      <p:bold r:id="rId30"/>
-      <p:boldItalic r:id="rId31"/>
+      <p:font typeface="Barlow Condensed ExtraBold" panose="00000906000000000000" pitchFamily="2" charset="0"/>
+      <p:bold r:id="rId31"/>
+      <p:boldItalic r:id="rId32"/>
+    </p:embeddedFont>
+    <p:embeddedFont>
+      <p:font typeface="Nunito Light" pitchFamily="2" charset="0"/>
+      <p:regular r:id="rId33"/>
     </p:embeddedFont>
     <p:embeddedFont>
       <p:font typeface="Overpass Mono" panose="020B0604020202020204" charset="0"/>
-      <p:regular r:id="rId32"/>
-      <p:bold r:id="rId33"/>
+      <p:regular r:id="rId34"/>
+      <p:bold r:id="rId35"/>
+    </p:embeddedFont>
+    <p:embeddedFont>
+      <p:font typeface="Raleway SemiBold" pitchFamily="2" charset="0"/>
+      <p:bold r:id="rId36"/>
     </p:embeddedFont>
     <p:embeddedFont>
       <p:font typeface="Roboto" panose="02000000000000000000" pitchFamily="2" charset="0"/>
-      <p:regular r:id="rId34"/>
+      <p:regular r:id="rId37"/>
+    </p:embeddedFont>
+    <p:embeddedFont>
+      <p:font typeface="Roboto Condensed Light" panose="02000000000000000000" pitchFamily="2" charset="0"/>
+      <p:regular r:id="rId38"/>
     </p:embeddedFont>
   </p:embeddedFontLst>
   <p:defaultTextStyle>
@@ -289,6 +302,11 @@
       </a:defRPr>
     </a:lvl9pPr>
   </p:defaultTextStyle>
+  <p:extLst>
+    <p:ext uri="{EFAFB233-063F-42B5-8137-9DF3F51BA10A}">
+      <p15:sldGuideLst xmlns:p15="http://schemas.microsoft.com/office/powerpoint/2012/main"/>
+    </p:ext>
+  </p:extLst>
 </p:presentation>
 </file>
 
@@ -1971,6 +1989,133 @@
   <p:cSld>
     <p:spTree>
       <p:nvGrpSpPr>
+        <p:cNvPr id="1" name="Shape 440"/>
+        <p:cNvGrpSpPr/>
+        <p:nvPr/>
+      </p:nvGrpSpPr>
+      <p:grpSpPr>
+        <a:xfrm>
+          <a:off x="0" y="0"/>
+          <a:ext cx="0" cy="0"/>
+          <a:chOff x="0" y="0"/>
+          <a:chExt cx="0" cy="0"/>
+        </a:xfrm>
+      </p:grpSpPr>
+      <p:sp>
+        <p:nvSpPr>
+          <p:cNvPr id="441" name="Google Shape;441;g2713dba509d_0_47:notes"/>
+          <p:cNvSpPr>
+            <a:spLocks noGrp="1" noRot="1" noChangeAspect="1"/>
+          </p:cNvSpPr>
+          <p:nvPr>
+            <p:ph type="sldImg" idx="2"/>
+          </p:nvPr>
+        </p:nvSpPr>
+        <p:spPr>
+          <a:xfrm>
+            <a:off x="381000" y="685800"/>
+            <a:ext cx="6096000" cy="3429000"/>
+          </a:xfrm>
+          <a:custGeom>
+            <a:avLst/>
+            <a:gdLst/>
+            <a:ahLst/>
+            <a:cxnLst/>
+            <a:rect l="l" t="t" r="r" b="b"/>
+            <a:pathLst>
+              <a:path w="120000" h="120000" extrusionOk="0">
+                <a:moveTo>
+                  <a:pt x="0" y="0"/>
+                </a:moveTo>
+                <a:lnTo>
+                  <a:pt x="120000" y="0"/>
+                </a:lnTo>
+                <a:lnTo>
+                  <a:pt x="120000" y="120000"/>
+                </a:lnTo>
+                <a:lnTo>
+                  <a:pt x="0" y="120000"/>
+                </a:lnTo>
+                <a:close/>
+              </a:path>
+            </a:pathLst>
+          </a:custGeom>
+          <a:noFill/>
+          <a:ln w="9525" cap="flat" cmpd="sng">
+            <a:solidFill>
+              <a:srgbClr val="000000"/>
+            </a:solidFill>
+            <a:prstDash val="solid"/>
+            <a:round/>
+            <a:headEnd type="none" w="sm" len="sm"/>
+            <a:tailEnd type="none" w="sm" len="sm"/>
+          </a:ln>
+        </p:spPr>
+      </p:sp>
+      <p:sp>
+        <p:nvSpPr>
+          <p:cNvPr id="442" name="Google Shape;442;g2713dba509d_0_47:notes"/>
+          <p:cNvSpPr txBox="1">
+            <a:spLocks noGrp="1"/>
+          </p:cNvSpPr>
+          <p:nvPr>
+            <p:ph type="body" idx="1"/>
+          </p:nvPr>
+        </p:nvSpPr>
+        <p:spPr>
+          <a:xfrm>
+            <a:off x="685800" y="4343400"/>
+            <a:ext cx="5486400" cy="4114800"/>
+          </a:xfrm>
+          <a:prstGeom prst="rect">
+            <a:avLst/>
+          </a:prstGeom>
+          <a:noFill/>
+          <a:ln>
+            <a:noFill/>
+          </a:ln>
+        </p:spPr>
+        <p:txBody>
+          <a:bodyPr spcFirstLastPara="1" wrap="square" lIns="91425" tIns="91425" rIns="91425" bIns="91425" anchor="t" anchorCtr="0">
+            <a:noAutofit/>
+          </a:bodyPr>
+          <a:lstStyle/>
+          <a:p>
+            <a:pPr marL="0" lvl="0" indent="0" algn="l" rtl="0">
+              <a:lnSpc>
+                <a:spcPct val="100000"/>
+              </a:lnSpc>
+              <a:spcBef>
+                <a:spcPts val="0"/>
+              </a:spcBef>
+              <a:spcAft>
+                <a:spcPts val="0"/>
+              </a:spcAft>
+              <a:buSzPts val="1100"/>
+              <a:buNone/>
+            </a:pPr>
+            <a:endParaRPr/>
+          </a:p>
+        </p:txBody>
+      </p:sp>
+    </p:spTree>
+    <p:extLst>
+      <p:ext uri="{BB962C8B-B14F-4D97-AF65-F5344CB8AC3E}">
+        <p14:creationId xmlns:p14="http://schemas.microsoft.com/office/powerpoint/2010/main" val="590600231"/>
+      </p:ext>
+    </p:extLst>
+  </p:cSld>
+  <p:clrMapOvr>
+    <a:masterClrMapping/>
+  </p:clrMapOvr>
+</p:notes>
+</file>
+
+<file path=ppt/notesSlides/notesSlide19.xml><?xml version="1.0" encoding="utf-8"?>
+<p:notes xmlns:a="http://schemas.openxmlformats.org/drawingml/2006/main" xmlns:r="http://schemas.openxmlformats.org/officeDocument/2006/relationships" xmlns:p="http://schemas.openxmlformats.org/presentationml/2006/main" showMasterSp="0" showMasterPhAnim="0">
+  <p:cSld>
+    <p:spTree>
+      <p:nvGrpSpPr>
         <p:cNvPr id="1" name="Shape 447"/>
         <p:cNvGrpSpPr/>
         <p:nvPr/>
@@ -2037,128 +2182,6 @@
       <p:sp>
         <p:nvSpPr>
           <p:cNvPr id="449" name="Google Shape;449;g2713dba509d_0_62:notes"/>
-          <p:cNvSpPr txBox="1">
-            <a:spLocks noGrp="1"/>
-          </p:cNvSpPr>
-          <p:nvPr>
-            <p:ph type="body" idx="1"/>
-          </p:nvPr>
-        </p:nvSpPr>
-        <p:spPr>
-          <a:xfrm>
-            <a:off x="685800" y="4343400"/>
-            <a:ext cx="5486400" cy="4114800"/>
-          </a:xfrm>
-          <a:prstGeom prst="rect">
-            <a:avLst/>
-          </a:prstGeom>
-          <a:noFill/>
-          <a:ln>
-            <a:noFill/>
-          </a:ln>
-        </p:spPr>
-        <p:txBody>
-          <a:bodyPr spcFirstLastPara="1" wrap="square" lIns="91425" tIns="91425" rIns="91425" bIns="91425" anchor="t" anchorCtr="0">
-            <a:noAutofit/>
-          </a:bodyPr>
-          <a:lstStyle/>
-          <a:p>
-            <a:pPr marL="0" lvl="0" indent="0" algn="l" rtl="0">
-              <a:lnSpc>
-                <a:spcPct val="100000"/>
-              </a:lnSpc>
-              <a:spcBef>
-                <a:spcPts val="0"/>
-              </a:spcBef>
-              <a:spcAft>
-                <a:spcPts val="0"/>
-              </a:spcAft>
-              <a:buSzPts val="1100"/>
-              <a:buNone/>
-            </a:pPr>
-            <a:endParaRPr/>
-          </a:p>
-        </p:txBody>
-      </p:sp>
-    </p:spTree>
-  </p:cSld>
-  <p:clrMapOvr>
-    <a:masterClrMapping/>
-  </p:clrMapOvr>
-</p:notes>
-</file>
-
-<file path=ppt/notesSlides/notesSlide19.xml><?xml version="1.0" encoding="utf-8"?>
-<p:notes xmlns:a="http://schemas.openxmlformats.org/drawingml/2006/main" xmlns:r="http://schemas.openxmlformats.org/officeDocument/2006/relationships" xmlns:p="http://schemas.openxmlformats.org/presentationml/2006/main" showMasterSp="0" showMasterPhAnim="0">
-  <p:cSld>
-    <p:spTree>
-      <p:nvGrpSpPr>
-        <p:cNvPr id="1" name="Shape 454"/>
-        <p:cNvGrpSpPr/>
-        <p:nvPr/>
-      </p:nvGrpSpPr>
-      <p:grpSpPr>
-        <a:xfrm>
-          <a:off x="0" y="0"/>
-          <a:ext cx="0" cy="0"/>
-          <a:chOff x="0" y="0"/>
-          <a:chExt cx="0" cy="0"/>
-        </a:xfrm>
-      </p:grpSpPr>
-      <p:sp>
-        <p:nvSpPr>
-          <p:cNvPr id="455" name="Google Shape;455;g2713dba509d_0_69:notes"/>
-          <p:cNvSpPr>
-            <a:spLocks noGrp="1" noRot="1" noChangeAspect="1"/>
-          </p:cNvSpPr>
-          <p:nvPr>
-            <p:ph type="sldImg" idx="2"/>
-          </p:nvPr>
-        </p:nvSpPr>
-        <p:spPr>
-          <a:xfrm>
-            <a:off x="381300" y="685800"/>
-            <a:ext cx="6096000" cy="3429000"/>
-          </a:xfrm>
-          <a:custGeom>
-            <a:avLst/>
-            <a:gdLst/>
-            <a:ahLst/>
-            <a:cxnLst/>
-            <a:rect l="l" t="t" r="r" b="b"/>
-            <a:pathLst>
-              <a:path w="120000" h="120000" extrusionOk="0">
-                <a:moveTo>
-                  <a:pt x="0" y="0"/>
-                </a:moveTo>
-                <a:lnTo>
-                  <a:pt x="120000" y="0"/>
-                </a:lnTo>
-                <a:lnTo>
-                  <a:pt x="120000" y="120000"/>
-                </a:lnTo>
-                <a:lnTo>
-                  <a:pt x="0" y="120000"/>
-                </a:lnTo>
-                <a:close/>
-              </a:path>
-            </a:pathLst>
-          </a:custGeom>
-          <a:noFill/>
-          <a:ln w="9525" cap="flat" cmpd="sng">
-            <a:solidFill>
-              <a:srgbClr val="000000"/>
-            </a:solidFill>
-            <a:prstDash val="solid"/>
-            <a:round/>
-            <a:headEnd type="none" w="sm" len="sm"/>
-            <a:tailEnd type="none" w="sm" len="sm"/>
-          </a:ln>
-        </p:spPr>
-      </p:sp>
-      <p:sp>
-        <p:nvSpPr>
-          <p:cNvPr id="456" name="Google Shape;456;g2713dba509d_0_69:notes"/>
           <p:cNvSpPr txBox="1">
             <a:spLocks noGrp="1"/>
           </p:cNvSpPr>
@@ -2337,6 +2360,128 @@
   <p:cSld>
     <p:spTree>
       <p:nvGrpSpPr>
+        <p:cNvPr id="1" name="Shape 454"/>
+        <p:cNvGrpSpPr/>
+        <p:nvPr/>
+      </p:nvGrpSpPr>
+      <p:grpSpPr>
+        <a:xfrm>
+          <a:off x="0" y="0"/>
+          <a:ext cx="0" cy="0"/>
+          <a:chOff x="0" y="0"/>
+          <a:chExt cx="0" cy="0"/>
+        </a:xfrm>
+      </p:grpSpPr>
+      <p:sp>
+        <p:nvSpPr>
+          <p:cNvPr id="455" name="Google Shape;455;g2713dba509d_0_69:notes"/>
+          <p:cNvSpPr>
+            <a:spLocks noGrp="1" noRot="1" noChangeAspect="1"/>
+          </p:cNvSpPr>
+          <p:nvPr>
+            <p:ph type="sldImg" idx="2"/>
+          </p:nvPr>
+        </p:nvSpPr>
+        <p:spPr>
+          <a:xfrm>
+            <a:off x="381300" y="685800"/>
+            <a:ext cx="6096000" cy="3429000"/>
+          </a:xfrm>
+          <a:custGeom>
+            <a:avLst/>
+            <a:gdLst/>
+            <a:ahLst/>
+            <a:cxnLst/>
+            <a:rect l="l" t="t" r="r" b="b"/>
+            <a:pathLst>
+              <a:path w="120000" h="120000" extrusionOk="0">
+                <a:moveTo>
+                  <a:pt x="0" y="0"/>
+                </a:moveTo>
+                <a:lnTo>
+                  <a:pt x="120000" y="0"/>
+                </a:lnTo>
+                <a:lnTo>
+                  <a:pt x="120000" y="120000"/>
+                </a:lnTo>
+                <a:lnTo>
+                  <a:pt x="0" y="120000"/>
+                </a:lnTo>
+                <a:close/>
+              </a:path>
+            </a:pathLst>
+          </a:custGeom>
+          <a:noFill/>
+          <a:ln w="9525" cap="flat" cmpd="sng">
+            <a:solidFill>
+              <a:srgbClr val="000000"/>
+            </a:solidFill>
+            <a:prstDash val="solid"/>
+            <a:round/>
+            <a:headEnd type="none" w="sm" len="sm"/>
+            <a:tailEnd type="none" w="sm" len="sm"/>
+          </a:ln>
+        </p:spPr>
+      </p:sp>
+      <p:sp>
+        <p:nvSpPr>
+          <p:cNvPr id="456" name="Google Shape;456;g2713dba509d_0_69:notes"/>
+          <p:cNvSpPr txBox="1">
+            <a:spLocks noGrp="1"/>
+          </p:cNvSpPr>
+          <p:nvPr>
+            <p:ph type="body" idx="1"/>
+          </p:nvPr>
+        </p:nvSpPr>
+        <p:spPr>
+          <a:xfrm>
+            <a:off x="685800" y="4343400"/>
+            <a:ext cx="5486400" cy="4114800"/>
+          </a:xfrm>
+          <a:prstGeom prst="rect">
+            <a:avLst/>
+          </a:prstGeom>
+          <a:noFill/>
+          <a:ln>
+            <a:noFill/>
+          </a:ln>
+        </p:spPr>
+        <p:txBody>
+          <a:bodyPr spcFirstLastPara="1" wrap="square" lIns="91425" tIns="91425" rIns="91425" bIns="91425" anchor="t" anchorCtr="0">
+            <a:noAutofit/>
+          </a:bodyPr>
+          <a:lstStyle/>
+          <a:p>
+            <a:pPr marL="0" lvl="0" indent="0" algn="l" rtl="0">
+              <a:lnSpc>
+                <a:spcPct val="100000"/>
+              </a:lnSpc>
+              <a:spcBef>
+                <a:spcPts val="0"/>
+              </a:spcBef>
+              <a:spcAft>
+                <a:spcPts val="0"/>
+              </a:spcAft>
+              <a:buSzPts val="1100"/>
+              <a:buNone/>
+            </a:pPr>
+            <a:endParaRPr/>
+          </a:p>
+        </p:txBody>
+      </p:sp>
+    </p:spTree>
+  </p:cSld>
+  <p:clrMapOvr>
+    <a:masterClrMapping/>
+  </p:clrMapOvr>
+</p:notes>
+</file>
+
+<file path=ppt/notesSlides/notesSlide21.xml><?xml version="1.0" encoding="utf-8"?>
+<p:notes xmlns:a="http://schemas.openxmlformats.org/drawingml/2006/main" xmlns:r="http://schemas.openxmlformats.org/officeDocument/2006/relationships" xmlns:p="http://schemas.openxmlformats.org/presentationml/2006/main" showMasterSp="0" showMasterPhAnim="0">
+  <p:cSld>
+    <p:spTree>
+      <p:nvGrpSpPr>
         <p:cNvPr id="1" name="Shape 461"/>
         <p:cNvGrpSpPr/>
         <p:nvPr/>
@@ -2454,7 +2599,7 @@
 </p:notes>
 </file>
 
-<file path=ppt/notesSlides/notesSlide21.xml><?xml version="1.0" encoding="utf-8"?>
+<file path=ppt/notesSlides/notesSlide22.xml><?xml version="1.0" encoding="utf-8"?>
 <p:notes xmlns:a="http://schemas.openxmlformats.org/drawingml/2006/main" xmlns:r="http://schemas.openxmlformats.org/officeDocument/2006/relationships" xmlns:p="http://schemas.openxmlformats.org/presentationml/2006/main" showMasterSp="0" showMasterPhAnim="0">
   <p:cSld>
     <p:spTree>
@@ -2576,7 +2721,7 @@
 </p:notes>
 </file>
 
-<file path=ppt/notesSlides/notesSlide22.xml><?xml version="1.0" encoding="utf-8"?>
+<file path=ppt/notesSlides/notesSlide23.xml><?xml version="1.0" encoding="utf-8"?>
 <p:notes xmlns:a="http://schemas.openxmlformats.org/drawingml/2006/main" xmlns:r="http://schemas.openxmlformats.org/officeDocument/2006/relationships" xmlns:p="http://schemas.openxmlformats.org/presentationml/2006/main" showMasterSp="0" showMasterPhAnim="0">
   <p:cSld>
     <p:spTree>
@@ -38796,7 +38941,7 @@
             </a:pPr>
             <a:r>
               <a:rPr lang="en-US" sz="2500" dirty="0"/>
-              <a:t>These are our default Staff ID and Password which are in our binary file. </a:t>
+              <a:t>These are our default Staff ID and Password which are in our binary file. User can still add more staff.</a:t>
             </a:r>
             <a:endParaRPr sz="2500" dirty="0"/>
           </a:p>
@@ -39805,6 +39950,166 @@
   <p:cSld>
     <p:spTree>
       <p:nvGrpSpPr>
+        <p:cNvPr id="1" name="Shape 443"/>
+        <p:cNvGrpSpPr/>
+        <p:nvPr/>
+      </p:nvGrpSpPr>
+      <p:grpSpPr>
+        <a:xfrm>
+          <a:off x="0" y="0"/>
+          <a:ext cx="0" cy="0"/>
+          <a:chOff x="0" y="0"/>
+          <a:chExt cx="0" cy="0"/>
+        </a:xfrm>
+      </p:grpSpPr>
+      <p:sp>
+        <p:nvSpPr>
+          <p:cNvPr id="444" name="Google Shape;444;p41"/>
+          <p:cNvSpPr txBox="1">
+            <a:spLocks noGrp="1"/>
+          </p:cNvSpPr>
+          <p:nvPr>
+            <p:ph type="title" idx="7"/>
+          </p:nvPr>
+        </p:nvSpPr>
+        <p:spPr>
+          <a:xfrm>
+            <a:off x="1278000" y="343200"/>
+            <a:ext cx="6588000" cy="669000"/>
+          </a:xfrm>
+          <a:prstGeom prst="rect">
+            <a:avLst/>
+          </a:prstGeom>
+          <a:noFill/>
+          <a:ln>
+            <a:noFill/>
+          </a:ln>
+        </p:spPr>
+        <p:txBody>
+          <a:bodyPr spcFirstLastPara="1" wrap="square" lIns="91425" tIns="91425" rIns="91425" bIns="91425" anchor="t" anchorCtr="0">
+            <a:noAutofit/>
+          </a:bodyPr>
+          <a:lstStyle/>
+          <a:p>
+            <a:pPr marL="0" lvl="0" indent="0" algn="ctr" rtl="0">
+              <a:lnSpc>
+                <a:spcPct val="100000"/>
+              </a:lnSpc>
+              <a:spcBef>
+                <a:spcPts val="0"/>
+              </a:spcBef>
+              <a:spcAft>
+                <a:spcPts val="0"/>
+              </a:spcAft>
+              <a:buSzPts val="2800"/>
+              <a:buNone/>
+            </a:pPr>
+            <a:r>
+              <a:rPr lang="en" dirty="0"/>
+              <a:t>Add Staff</a:t>
+            </a:r>
+            <a:endParaRPr dirty="0"/>
+          </a:p>
+        </p:txBody>
+      </p:sp>
+      <p:sp>
+        <p:nvSpPr>
+          <p:cNvPr id="445" name="Google Shape;445;p41"/>
+          <p:cNvSpPr txBox="1">
+            <a:spLocks noGrp="1"/>
+          </p:cNvSpPr>
+          <p:nvPr>
+            <p:ph type="subTitle" idx="8"/>
+          </p:nvPr>
+        </p:nvSpPr>
+        <p:spPr>
+          <a:xfrm flipH="1">
+            <a:off x="389738" y="1544475"/>
+            <a:ext cx="8143800" cy="550200"/>
+          </a:xfrm>
+          <a:prstGeom prst="rect">
+            <a:avLst/>
+          </a:prstGeom>
+          <a:noFill/>
+          <a:ln>
+            <a:noFill/>
+          </a:ln>
+        </p:spPr>
+        <p:txBody>
+          <a:bodyPr spcFirstLastPara="1" wrap="square" lIns="91425" tIns="0" rIns="91425" bIns="91425" anchor="t" anchorCtr="0">
+            <a:noAutofit/>
+          </a:bodyPr>
+          <a:lstStyle/>
+          <a:p>
+            <a:pPr marL="0" lvl="0" indent="0" algn="l" rtl="0">
+              <a:lnSpc>
+                <a:spcPct val="100000"/>
+              </a:lnSpc>
+              <a:spcBef>
+                <a:spcPts val="0"/>
+              </a:spcBef>
+              <a:spcAft>
+                <a:spcPts val="0"/>
+              </a:spcAft>
+              <a:buSzPts val="1200"/>
+              <a:buNone/>
+            </a:pPr>
+            <a:r>
+              <a:rPr lang="en" sz="2500" dirty="0"/>
+              <a:t>User can choose to register for new staff. The system will auto generate the ID. </a:t>
+            </a:r>
+            <a:endParaRPr sz="2500" dirty="0"/>
+          </a:p>
+        </p:txBody>
+      </p:sp>
+      <p:pic>
+        <p:nvPicPr>
+          <p:cNvPr id="4" name="Picture 3">
+            <a:extLst>
+              <a:ext uri="{FF2B5EF4-FFF2-40B4-BE49-F238E27FC236}">
+                <a16:creationId xmlns:a16="http://schemas.microsoft.com/office/drawing/2014/main" id="{64419644-F1A9-6AF3-0EB4-F418B9B59047}"/>
+              </a:ext>
+            </a:extLst>
+          </p:cNvPr>
+          <p:cNvPicPr>
+            <a:picLocks noChangeAspect="1"/>
+          </p:cNvPicPr>
+          <p:nvPr/>
+        </p:nvPicPr>
+        <p:blipFill>
+          <a:blip r:embed="rId3"/>
+          <a:stretch>
+            <a:fillRect/>
+          </a:stretch>
+        </p:blipFill>
+        <p:spPr>
+          <a:xfrm>
+            <a:off x="2695274" y="2715440"/>
+            <a:ext cx="3532728" cy="1920355"/>
+          </a:xfrm>
+          <a:prstGeom prst="rect">
+            <a:avLst/>
+          </a:prstGeom>
+        </p:spPr>
+      </p:pic>
+    </p:spTree>
+    <p:extLst>
+      <p:ext uri="{BB962C8B-B14F-4D97-AF65-F5344CB8AC3E}">
+        <p14:creationId xmlns:p14="http://schemas.microsoft.com/office/powerpoint/2010/main" val="3293386"/>
+      </p:ext>
+    </p:extLst>
+  </p:cSld>
+  <p:clrMapOvr>
+    <a:masterClrMapping/>
+  </p:clrMapOvr>
+</p:sld>
+</file>
+
+<file path=ppt/slides/slide19.xml><?xml version="1.0" encoding="utf-8"?>
+<p:sld xmlns:a="http://schemas.openxmlformats.org/drawingml/2006/main" xmlns:r="http://schemas.openxmlformats.org/officeDocument/2006/relationships" xmlns:p="http://schemas.openxmlformats.org/presentationml/2006/main">
+  <p:cSld>
+    <p:spTree>
+      <p:nvGrpSpPr>
         <p:cNvPr id="1" name="Shape 450"/>
         <p:cNvGrpSpPr/>
         <p:nvPr/>
@@ -39935,159 +40240,6 @@
           <a:xfrm>
             <a:off x="1659325" y="2626950"/>
             <a:ext cx="5397425" cy="1684650"/>
-          </a:xfrm>
-          <a:prstGeom prst="rect">
-            <a:avLst/>
-          </a:prstGeom>
-          <a:noFill/>
-          <a:ln>
-            <a:noFill/>
-          </a:ln>
-        </p:spPr>
-      </p:pic>
-    </p:spTree>
-  </p:cSld>
-  <p:clrMapOvr>
-    <a:masterClrMapping/>
-  </p:clrMapOvr>
-</p:sld>
-</file>
-
-<file path=ppt/slides/slide19.xml><?xml version="1.0" encoding="utf-8"?>
-<p:sld xmlns:a="http://schemas.openxmlformats.org/drawingml/2006/main" xmlns:r="http://schemas.openxmlformats.org/officeDocument/2006/relationships" xmlns:p="http://schemas.openxmlformats.org/presentationml/2006/main">
-  <p:cSld>
-    <p:spTree>
-      <p:nvGrpSpPr>
-        <p:cNvPr id="1" name="Shape 457"/>
-        <p:cNvGrpSpPr/>
-        <p:nvPr/>
-      </p:nvGrpSpPr>
-      <p:grpSpPr>
-        <a:xfrm>
-          <a:off x="0" y="0"/>
-          <a:ext cx="0" cy="0"/>
-          <a:chOff x="0" y="0"/>
-          <a:chExt cx="0" cy="0"/>
-        </a:xfrm>
-      </p:grpSpPr>
-      <p:sp>
-        <p:nvSpPr>
-          <p:cNvPr id="458" name="Google Shape;458;p43"/>
-          <p:cNvSpPr txBox="1">
-            <a:spLocks noGrp="1"/>
-          </p:cNvSpPr>
-          <p:nvPr>
-            <p:ph type="title" idx="7"/>
-          </p:nvPr>
-        </p:nvSpPr>
-        <p:spPr>
-          <a:xfrm>
-            <a:off x="1278000" y="343200"/>
-            <a:ext cx="6588000" cy="669000"/>
-          </a:xfrm>
-          <a:prstGeom prst="rect">
-            <a:avLst/>
-          </a:prstGeom>
-          <a:noFill/>
-          <a:ln>
-            <a:noFill/>
-          </a:ln>
-        </p:spPr>
-        <p:txBody>
-          <a:bodyPr spcFirstLastPara="1" wrap="square" lIns="91425" tIns="91425" rIns="91425" bIns="91425" anchor="t" anchorCtr="0">
-            <a:noAutofit/>
-          </a:bodyPr>
-          <a:lstStyle/>
-          <a:p>
-            <a:pPr marL="0" lvl="0" indent="0" algn="ctr" rtl="0">
-              <a:lnSpc>
-                <a:spcPct val="100000"/>
-              </a:lnSpc>
-              <a:spcBef>
-                <a:spcPts val="0"/>
-              </a:spcBef>
-              <a:spcAft>
-                <a:spcPts val="0"/>
-              </a:spcAft>
-              <a:buSzPts val="2800"/>
-              <a:buNone/>
-            </a:pPr>
-            <a:r>
-              <a:rPr lang="en"/>
-              <a:t>Encrypt Your File</a:t>
-            </a:r>
-            <a:endParaRPr/>
-          </a:p>
-        </p:txBody>
-      </p:sp>
-      <p:sp>
-        <p:nvSpPr>
-          <p:cNvPr id="459" name="Google Shape;459;p43"/>
-          <p:cNvSpPr txBox="1">
-            <a:spLocks noGrp="1"/>
-          </p:cNvSpPr>
-          <p:nvPr>
-            <p:ph type="subTitle" idx="8"/>
-          </p:nvPr>
-        </p:nvSpPr>
-        <p:spPr>
-          <a:xfrm flipH="1">
-            <a:off x="389738" y="1278338"/>
-            <a:ext cx="8143800" cy="550200"/>
-          </a:xfrm>
-          <a:prstGeom prst="rect">
-            <a:avLst/>
-          </a:prstGeom>
-          <a:noFill/>
-          <a:ln>
-            <a:noFill/>
-          </a:ln>
-        </p:spPr>
-        <p:txBody>
-          <a:bodyPr spcFirstLastPara="1" wrap="square" lIns="91425" tIns="0" rIns="91425" bIns="91425" anchor="t" anchorCtr="0">
-            <a:noAutofit/>
-          </a:bodyPr>
-          <a:lstStyle/>
-          <a:p>
-            <a:pPr marL="0" lvl="0" indent="0" algn="l" rtl="0">
-              <a:lnSpc>
-                <a:spcPct val="100000"/>
-              </a:lnSpc>
-              <a:spcBef>
-                <a:spcPts val="0"/>
-              </a:spcBef>
-              <a:spcAft>
-                <a:spcPts val="0"/>
-              </a:spcAft>
-              <a:buSzPts val="1200"/>
-              <a:buNone/>
-            </a:pPr>
-            <a:r>
-              <a:rPr lang="en" sz="2500"/>
-              <a:t>Key in the key you would like to encrypt. </a:t>
-            </a:r>
-            <a:endParaRPr sz="2500"/>
-          </a:p>
-        </p:txBody>
-      </p:sp>
-      <p:pic>
-        <p:nvPicPr>
-          <p:cNvPr id="460" name="Google Shape;460;p43"/>
-          <p:cNvPicPr preferRelativeResize="0"/>
-          <p:nvPr/>
-        </p:nvPicPr>
-        <p:blipFill>
-          <a:blip r:embed="rId3">
-            <a:alphaModFix/>
-          </a:blip>
-          <a:stretch>
-            <a:fillRect/>
-          </a:stretch>
-        </p:blipFill>
-        <p:spPr>
-          <a:xfrm>
-            <a:off x="1987259" y="2094684"/>
-            <a:ext cx="4948800" cy="2595300"/>
           </a:xfrm>
           <a:prstGeom prst="rect">
             <a:avLst/>
@@ -40625,6 +40777,159 @@
   <p:cSld>
     <p:spTree>
       <p:nvGrpSpPr>
+        <p:cNvPr id="1" name="Shape 457"/>
+        <p:cNvGrpSpPr/>
+        <p:nvPr/>
+      </p:nvGrpSpPr>
+      <p:grpSpPr>
+        <a:xfrm>
+          <a:off x="0" y="0"/>
+          <a:ext cx="0" cy="0"/>
+          <a:chOff x="0" y="0"/>
+          <a:chExt cx="0" cy="0"/>
+        </a:xfrm>
+      </p:grpSpPr>
+      <p:sp>
+        <p:nvSpPr>
+          <p:cNvPr id="458" name="Google Shape;458;p43"/>
+          <p:cNvSpPr txBox="1">
+            <a:spLocks noGrp="1"/>
+          </p:cNvSpPr>
+          <p:nvPr>
+            <p:ph type="title" idx="7"/>
+          </p:nvPr>
+        </p:nvSpPr>
+        <p:spPr>
+          <a:xfrm>
+            <a:off x="1278000" y="343200"/>
+            <a:ext cx="6588000" cy="669000"/>
+          </a:xfrm>
+          <a:prstGeom prst="rect">
+            <a:avLst/>
+          </a:prstGeom>
+          <a:noFill/>
+          <a:ln>
+            <a:noFill/>
+          </a:ln>
+        </p:spPr>
+        <p:txBody>
+          <a:bodyPr spcFirstLastPara="1" wrap="square" lIns="91425" tIns="91425" rIns="91425" bIns="91425" anchor="t" anchorCtr="0">
+            <a:noAutofit/>
+          </a:bodyPr>
+          <a:lstStyle/>
+          <a:p>
+            <a:pPr marL="0" lvl="0" indent="0" algn="ctr" rtl="0">
+              <a:lnSpc>
+                <a:spcPct val="100000"/>
+              </a:lnSpc>
+              <a:spcBef>
+                <a:spcPts val="0"/>
+              </a:spcBef>
+              <a:spcAft>
+                <a:spcPts val="0"/>
+              </a:spcAft>
+              <a:buSzPts val="2800"/>
+              <a:buNone/>
+            </a:pPr>
+            <a:r>
+              <a:rPr lang="en"/>
+              <a:t>Encrypt Your File</a:t>
+            </a:r>
+            <a:endParaRPr/>
+          </a:p>
+        </p:txBody>
+      </p:sp>
+      <p:sp>
+        <p:nvSpPr>
+          <p:cNvPr id="459" name="Google Shape;459;p43"/>
+          <p:cNvSpPr txBox="1">
+            <a:spLocks noGrp="1"/>
+          </p:cNvSpPr>
+          <p:nvPr>
+            <p:ph type="subTitle" idx="8"/>
+          </p:nvPr>
+        </p:nvSpPr>
+        <p:spPr>
+          <a:xfrm flipH="1">
+            <a:off x="389738" y="1278338"/>
+            <a:ext cx="8143800" cy="550200"/>
+          </a:xfrm>
+          <a:prstGeom prst="rect">
+            <a:avLst/>
+          </a:prstGeom>
+          <a:noFill/>
+          <a:ln>
+            <a:noFill/>
+          </a:ln>
+        </p:spPr>
+        <p:txBody>
+          <a:bodyPr spcFirstLastPara="1" wrap="square" lIns="91425" tIns="0" rIns="91425" bIns="91425" anchor="t" anchorCtr="0">
+            <a:noAutofit/>
+          </a:bodyPr>
+          <a:lstStyle/>
+          <a:p>
+            <a:pPr marL="0" lvl="0" indent="0" algn="l" rtl="0">
+              <a:lnSpc>
+                <a:spcPct val="100000"/>
+              </a:lnSpc>
+              <a:spcBef>
+                <a:spcPts val="0"/>
+              </a:spcBef>
+              <a:spcAft>
+                <a:spcPts val="0"/>
+              </a:spcAft>
+              <a:buSzPts val="1200"/>
+              <a:buNone/>
+            </a:pPr>
+            <a:r>
+              <a:rPr lang="en" sz="2500"/>
+              <a:t>Key in the key you would like to encrypt. </a:t>
+            </a:r>
+            <a:endParaRPr sz="2500"/>
+          </a:p>
+        </p:txBody>
+      </p:sp>
+      <p:pic>
+        <p:nvPicPr>
+          <p:cNvPr id="460" name="Google Shape;460;p43"/>
+          <p:cNvPicPr preferRelativeResize="0"/>
+          <p:nvPr/>
+        </p:nvPicPr>
+        <p:blipFill>
+          <a:blip r:embed="rId3">
+            <a:alphaModFix/>
+          </a:blip>
+          <a:stretch>
+            <a:fillRect/>
+          </a:stretch>
+        </p:blipFill>
+        <p:spPr>
+          <a:xfrm>
+            <a:off x="1987259" y="2094684"/>
+            <a:ext cx="4948800" cy="2595300"/>
+          </a:xfrm>
+          <a:prstGeom prst="rect">
+            <a:avLst/>
+          </a:prstGeom>
+          <a:noFill/>
+          <a:ln>
+            <a:noFill/>
+          </a:ln>
+        </p:spPr>
+      </p:pic>
+    </p:spTree>
+  </p:cSld>
+  <p:clrMapOvr>
+    <a:masterClrMapping/>
+  </p:clrMapOvr>
+</p:sld>
+</file>
+
+<file path=ppt/slides/slide21.xml><?xml version="1.0" encoding="utf-8"?>
+<p:sld xmlns:a="http://schemas.openxmlformats.org/drawingml/2006/main" xmlns:r="http://schemas.openxmlformats.org/officeDocument/2006/relationships" xmlns:p="http://schemas.openxmlformats.org/presentationml/2006/main">
+  <p:cSld>
+    <p:spTree>
+      <p:nvGrpSpPr>
         <p:cNvPr id="1" name="Shape 464"/>
         <p:cNvGrpSpPr/>
         <p:nvPr/>
@@ -40773,7 +41078,7 @@
 </p:sld>
 </file>
 
-<file path=ppt/slides/slide21.xml><?xml version="1.0" encoding="utf-8"?>
+<file path=ppt/slides/slide22.xml><?xml version="1.0" encoding="utf-8"?>
 <p:sld xmlns:a="http://schemas.openxmlformats.org/drawingml/2006/main" xmlns:r="http://schemas.openxmlformats.org/officeDocument/2006/relationships" xmlns:p="http://schemas.openxmlformats.org/presentationml/2006/main">
   <p:cSld>
     <p:spTree>
@@ -40926,7 +41231,7 @@
 </p:sld>
 </file>
 
-<file path=ppt/slides/slide22.xml><?xml version="1.0" encoding="utf-8"?>
+<file path=ppt/slides/slide23.xml><?xml version="1.0" encoding="utf-8"?>
 <p:sld xmlns:a="http://schemas.openxmlformats.org/drawingml/2006/main" xmlns:r="http://schemas.openxmlformats.org/officeDocument/2006/relationships" xmlns:p="http://schemas.openxmlformats.org/presentationml/2006/main">
   <p:cSld>
     <p:spTree>

--- a/TAR UMT International Hackathon 2024 - perror(_520_);.pptx
+++ b/TAR UMT International Hackathon 2024 - perror(_520_);.pptx
@@ -2628,7 +2628,7 @@
         </p:nvSpPr>
         <p:spPr>
           <a:xfrm>
-            <a:off x="381300" y="685800"/>
+            <a:off x="381000" y="685800"/>
             <a:ext cx="6096000" cy="3429000"/>
           </a:xfrm>
           <a:custGeom>
@@ -41157,7 +41157,7 @@
         </p:nvSpPr>
         <p:spPr>
           <a:xfrm flipH="1">
-            <a:off x="389738" y="1278338"/>
+            <a:off x="421635" y="1012200"/>
             <a:ext cx="8143800" cy="550200"/>
           </a:xfrm>
           <a:prstGeom prst="rect">
@@ -41188,39 +41188,41 @@
               <a:buNone/>
             </a:pPr>
             <a:r>
-              <a:rPr lang="en" sz="2500"/>
+              <a:rPr lang="en" sz="2500" dirty="0"/>
               <a:t>All of the sensitive activity made in this system will be stored into the auditlog.txt text file. You can check the audit log of the system by this file so that it is easier for us to detect any unusual activity.  </a:t>
             </a:r>
-            <a:endParaRPr sz="2500"/>
+            <a:endParaRPr sz="2500" dirty="0"/>
           </a:p>
         </p:txBody>
       </p:sp>
       <p:pic>
         <p:nvPicPr>
-          <p:cNvPr id="474" name="Google Shape;474;p45"/>
-          <p:cNvPicPr preferRelativeResize="0"/>
+          <p:cNvPr id="3" name="Picture 2">
+            <a:extLst>
+              <a:ext uri="{FF2B5EF4-FFF2-40B4-BE49-F238E27FC236}">
+                <a16:creationId xmlns:a16="http://schemas.microsoft.com/office/drawing/2014/main" id="{297213A3-FA5A-FE9E-8A01-16986A77EF87}"/>
+              </a:ext>
+            </a:extLst>
+          </p:cNvPr>
+          <p:cNvPicPr>
+            <a:picLocks noChangeAspect="1"/>
+          </p:cNvPicPr>
           <p:nvPr/>
         </p:nvPicPr>
         <p:blipFill>
-          <a:blip r:embed="rId3">
-            <a:alphaModFix/>
-          </a:blip>
+          <a:blip r:embed="rId3"/>
           <a:stretch>
             <a:fillRect/>
           </a:stretch>
         </p:blipFill>
         <p:spPr>
           <a:xfrm>
-            <a:off x="715200" y="3146709"/>
-            <a:ext cx="7713600" cy="1177776"/>
+            <a:off x="905861" y="2571750"/>
+            <a:ext cx="6780558" cy="2571750"/>
           </a:xfrm>
           <a:prstGeom prst="rect">
             <a:avLst/>
           </a:prstGeom>
-          <a:noFill/>
-          <a:ln>
-            <a:noFill/>
-          </a:ln>
         </p:spPr>
       </p:pic>
     </p:spTree>
